--- a/Week_1/Lectures/Welcome.pptx
+++ b/Week_1/Lectures/Welcome.pptx
@@ -18,9 +18,9 @@
     <p:sldId id="279" r:id="rId12"/>
     <p:sldId id="282" r:id="rId13"/>
     <p:sldId id="280" r:id="rId14"/>
-    <p:sldId id="264" r:id="rId15"/>
-    <p:sldId id="276" r:id="rId16"/>
-    <p:sldId id="277" r:id="rId17"/>
+    <p:sldId id="277" r:id="rId15"/>
+    <p:sldId id="264" r:id="rId16"/>
+    <p:sldId id="276" r:id="rId17"/>
     <p:sldId id="278" r:id="rId18"/>
     <p:sldId id="266" r:id="rId19"/>
     <p:sldId id="267" r:id="rId20"/>
@@ -136,6 +136,10 @@
 </p:presentation>
 </file>
 
+<file path=ppt/revisionInfo.xml><?xml version="1.0" encoding="utf-8"?>
+<p1510:revInfo xmlns:a="http://schemas.openxmlformats.org/drawingml/2006/main" xmlns:r="http://schemas.openxmlformats.org/officeDocument/2006/relationships" xmlns:p1510="http://schemas.microsoft.com/office/powerpoint/2015/10/main"/>
+</file>
+
 <file path=ppt/slideLayouts/slideLayout1.xml><?xml version="1.0" encoding="utf-8"?>
 <p:sldLayout xmlns:a="http://schemas.openxmlformats.org/drawingml/2006/main" xmlns:r="http://schemas.openxmlformats.org/officeDocument/2006/relationships" xmlns:p="http://schemas.openxmlformats.org/presentationml/2006/main" type="title" preserve="1">
   <p:cSld name="Title Slide">
@@ -178,10 +182,9 @@
           </a:lstStyle>
           <a:p>
             <a:r>
-              <a:rPr lang="en-US" smtClean="0"/>
+              <a:rPr lang="en-US"/>
               <a:t>Click to edit Master title style</a:t>
             </a:r>
-            <a:endParaRPr lang="en-US"/>
           </a:p>
         </p:txBody>
       </p:sp>
@@ -243,10 +246,9 @@
           </a:lstStyle>
           <a:p>
             <a:r>
-              <a:rPr lang="en-US" smtClean="0"/>
+              <a:rPr lang="en-US"/>
               <a:t>Click to edit Master subtitle style</a:t>
             </a:r>
-            <a:endParaRPr lang="en-US"/>
           </a:p>
         </p:txBody>
       </p:sp>
@@ -267,7 +269,7 @@
           <a:p>
             <a:fld id="{1E9835A0-5DFA-499C-B5AD-C5ACD1F20274}" type="datetimeFigureOut">
               <a:rPr lang="en-US" smtClean="0"/>
-              <a:t>12/30/2016</a:t>
+              <a:t>12/29/2017</a:t>
             </a:fld>
             <a:endParaRPr lang="en-US"/>
           </a:p>
@@ -361,10 +363,9 @@
           <a:lstStyle/>
           <a:p>
             <a:r>
-              <a:rPr lang="en-US" smtClean="0"/>
+              <a:rPr lang="en-US"/>
               <a:t>Click to edit Master title style</a:t>
             </a:r>
-            <a:endParaRPr lang="en-US"/>
           </a:p>
         </p:txBody>
       </p:sp>
@@ -385,38 +386,37 @@
           <a:p>
             <a:pPr lvl="0"/>
             <a:r>
-              <a:rPr lang="en-US" smtClean="0"/>
+              <a:rPr lang="en-US"/>
               <a:t>Click to edit Master text styles</a:t>
             </a:r>
           </a:p>
           <a:p>
             <a:pPr lvl="1"/>
             <a:r>
-              <a:rPr lang="en-US" smtClean="0"/>
+              <a:rPr lang="en-US"/>
               <a:t>Second level</a:t>
             </a:r>
           </a:p>
           <a:p>
             <a:pPr lvl="2"/>
             <a:r>
-              <a:rPr lang="en-US" smtClean="0"/>
+              <a:rPr lang="en-US"/>
               <a:t>Third level</a:t>
             </a:r>
           </a:p>
           <a:p>
             <a:pPr lvl="3"/>
             <a:r>
-              <a:rPr lang="en-US" smtClean="0"/>
+              <a:rPr lang="en-US"/>
               <a:t>Fourth level</a:t>
             </a:r>
           </a:p>
           <a:p>
             <a:pPr lvl="4"/>
             <a:r>
-              <a:rPr lang="en-US" smtClean="0"/>
+              <a:rPr lang="en-US"/>
               <a:t>Fifth level</a:t>
             </a:r>
-            <a:endParaRPr lang="en-US"/>
           </a:p>
         </p:txBody>
       </p:sp>
@@ -437,7 +437,7 @@
           <a:p>
             <a:fld id="{1E9835A0-5DFA-499C-B5AD-C5ACD1F20274}" type="datetimeFigureOut">
               <a:rPr lang="en-US" smtClean="0"/>
-              <a:t>12/30/2016</a:t>
+              <a:t>12/29/2017</a:t>
             </a:fld>
             <a:endParaRPr lang="en-US"/>
           </a:p>
@@ -536,10 +536,9 @@
           <a:lstStyle/>
           <a:p>
             <a:r>
-              <a:rPr lang="en-US" smtClean="0"/>
+              <a:rPr lang="en-US"/>
               <a:t>Click to edit Master title style</a:t>
             </a:r>
-            <a:endParaRPr lang="en-US"/>
           </a:p>
         </p:txBody>
       </p:sp>
@@ -565,38 +564,37 @@
           <a:p>
             <a:pPr lvl="0"/>
             <a:r>
-              <a:rPr lang="en-US" smtClean="0"/>
+              <a:rPr lang="en-US"/>
               <a:t>Click to edit Master text styles</a:t>
             </a:r>
           </a:p>
           <a:p>
             <a:pPr lvl="1"/>
             <a:r>
-              <a:rPr lang="en-US" smtClean="0"/>
+              <a:rPr lang="en-US"/>
               <a:t>Second level</a:t>
             </a:r>
           </a:p>
           <a:p>
             <a:pPr lvl="2"/>
             <a:r>
-              <a:rPr lang="en-US" smtClean="0"/>
+              <a:rPr lang="en-US"/>
               <a:t>Third level</a:t>
             </a:r>
           </a:p>
           <a:p>
             <a:pPr lvl="3"/>
             <a:r>
-              <a:rPr lang="en-US" smtClean="0"/>
+              <a:rPr lang="en-US"/>
               <a:t>Fourth level</a:t>
             </a:r>
           </a:p>
           <a:p>
             <a:pPr lvl="4"/>
             <a:r>
-              <a:rPr lang="en-US" smtClean="0"/>
+              <a:rPr lang="en-US"/>
               <a:t>Fifth level</a:t>
             </a:r>
-            <a:endParaRPr lang="en-US"/>
           </a:p>
         </p:txBody>
       </p:sp>
@@ -617,7 +615,7 @@
           <a:p>
             <a:fld id="{1E9835A0-5DFA-499C-B5AD-C5ACD1F20274}" type="datetimeFigureOut">
               <a:rPr lang="en-US" smtClean="0"/>
-              <a:t>12/30/2016</a:t>
+              <a:t>12/29/2017</a:t>
             </a:fld>
             <a:endParaRPr lang="en-US"/>
           </a:p>
@@ -711,10 +709,9 @@
           <a:lstStyle/>
           <a:p>
             <a:r>
-              <a:rPr lang="en-US" smtClean="0"/>
+              <a:rPr lang="en-US"/>
               <a:t>Click to edit Master title style</a:t>
             </a:r>
-            <a:endParaRPr lang="en-US"/>
           </a:p>
         </p:txBody>
       </p:sp>
@@ -735,38 +732,37 @@
           <a:p>
             <a:pPr lvl="0"/>
             <a:r>
-              <a:rPr lang="en-US" smtClean="0"/>
+              <a:rPr lang="en-US"/>
               <a:t>Click to edit Master text styles</a:t>
             </a:r>
           </a:p>
           <a:p>
             <a:pPr lvl="1"/>
             <a:r>
-              <a:rPr lang="en-US" smtClean="0"/>
+              <a:rPr lang="en-US"/>
               <a:t>Second level</a:t>
             </a:r>
           </a:p>
           <a:p>
             <a:pPr lvl="2"/>
             <a:r>
-              <a:rPr lang="en-US" smtClean="0"/>
+              <a:rPr lang="en-US"/>
               <a:t>Third level</a:t>
             </a:r>
           </a:p>
           <a:p>
             <a:pPr lvl="3"/>
             <a:r>
-              <a:rPr lang="en-US" smtClean="0"/>
+              <a:rPr lang="en-US"/>
               <a:t>Fourth level</a:t>
             </a:r>
           </a:p>
           <a:p>
             <a:pPr lvl="4"/>
             <a:r>
-              <a:rPr lang="en-US" smtClean="0"/>
+              <a:rPr lang="en-US"/>
               <a:t>Fifth level</a:t>
             </a:r>
-            <a:endParaRPr lang="en-US"/>
           </a:p>
         </p:txBody>
       </p:sp>
@@ -787,7 +783,7 @@
           <a:p>
             <a:fld id="{1E9835A0-5DFA-499C-B5AD-C5ACD1F20274}" type="datetimeFigureOut">
               <a:rPr lang="en-US" smtClean="0"/>
-              <a:t>12/30/2016</a:t>
+              <a:t>12/29/2017</a:t>
             </a:fld>
             <a:endParaRPr lang="en-US"/>
           </a:p>
@@ -890,10 +886,9 @@
           </a:lstStyle>
           <a:p>
             <a:r>
-              <a:rPr lang="en-US" smtClean="0"/>
+              <a:rPr lang="en-US"/>
               <a:t>Click to edit Master title style</a:t>
             </a:r>
-            <a:endParaRPr lang="en-US"/>
           </a:p>
         </p:txBody>
       </p:sp>
@@ -1010,7 +1005,7 @@
           <a:p>
             <a:pPr lvl="0"/>
             <a:r>
-              <a:rPr lang="en-US" smtClean="0"/>
+              <a:rPr lang="en-US"/>
               <a:t>Click to edit Master text styles</a:t>
             </a:r>
           </a:p>
@@ -1033,7 +1028,7 @@
           <a:p>
             <a:fld id="{1E9835A0-5DFA-499C-B5AD-C5ACD1F20274}" type="datetimeFigureOut">
               <a:rPr lang="en-US" smtClean="0"/>
-              <a:t>12/30/2016</a:t>
+              <a:t>12/29/2017</a:t>
             </a:fld>
             <a:endParaRPr lang="en-US"/>
           </a:p>
@@ -1127,10 +1122,9 @@
           <a:lstStyle/>
           <a:p>
             <a:r>
-              <a:rPr lang="en-US" smtClean="0"/>
+              <a:rPr lang="en-US"/>
               <a:t>Click to edit Master title style</a:t>
             </a:r>
-            <a:endParaRPr lang="en-US"/>
           </a:p>
         </p:txBody>
       </p:sp>
@@ -1156,38 +1150,37 @@
           <a:p>
             <a:pPr lvl="0"/>
             <a:r>
-              <a:rPr lang="en-US" smtClean="0"/>
+              <a:rPr lang="en-US"/>
               <a:t>Click to edit Master text styles</a:t>
             </a:r>
           </a:p>
           <a:p>
             <a:pPr lvl="1"/>
             <a:r>
-              <a:rPr lang="en-US" smtClean="0"/>
+              <a:rPr lang="en-US"/>
               <a:t>Second level</a:t>
             </a:r>
           </a:p>
           <a:p>
             <a:pPr lvl="2"/>
             <a:r>
-              <a:rPr lang="en-US" smtClean="0"/>
+              <a:rPr lang="en-US"/>
               <a:t>Third level</a:t>
             </a:r>
           </a:p>
           <a:p>
             <a:pPr lvl="3"/>
             <a:r>
-              <a:rPr lang="en-US" smtClean="0"/>
+              <a:rPr lang="en-US"/>
               <a:t>Fourth level</a:t>
             </a:r>
           </a:p>
           <a:p>
             <a:pPr lvl="4"/>
             <a:r>
-              <a:rPr lang="en-US" smtClean="0"/>
+              <a:rPr lang="en-US"/>
               <a:t>Fifth level</a:t>
             </a:r>
-            <a:endParaRPr lang="en-US"/>
           </a:p>
         </p:txBody>
       </p:sp>
@@ -1213,38 +1206,37 @@
           <a:p>
             <a:pPr lvl="0"/>
             <a:r>
-              <a:rPr lang="en-US" smtClean="0"/>
+              <a:rPr lang="en-US"/>
               <a:t>Click to edit Master text styles</a:t>
             </a:r>
           </a:p>
           <a:p>
             <a:pPr lvl="1"/>
             <a:r>
-              <a:rPr lang="en-US" smtClean="0"/>
+              <a:rPr lang="en-US"/>
               <a:t>Second level</a:t>
             </a:r>
           </a:p>
           <a:p>
             <a:pPr lvl="2"/>
             <a:r>
-              <a:rPr lang="en-US" smtClean="0"/>
+              <a:rPr lang="en-US"/>
               <a:t>Third level</a:t>
             </a:r>
           </a:p>
           <a:p>
             <a:pPr lvl="3"/>
             <a:r>
-              <a:rPr lang="en-US" smtClean="0"/>
+              <a:rPr lang="en-US"/>
               <a:t>Fourth level</a:t>
             </a:r>
           </a:p>
           <a:p>
             <a:pPr lvl="4"/>
             <a:r>
-              <a:rPr lang="en-US" smtClean="0"/>
+              <a:rPr lang="en-US"/>
               <a:t>Fifth level</a:t>
             </a:r>
-            <a:endParaRPr lang="en-US"/>
           </a:p>
         </p:txBody>
       </p:sp>
@@ -1265,7 +1257,7 @@
           <a:p>
             <a:fld id="{1E9835A0-5DFA-499C-B5AD-C5ACD1F20274}" type="datetimeFigureOut">
               <a:rPr lang="en-US" smtClean="0"/>
-              <a:t>12/30/2016</a:t>
+              <a:t>12/29/2017</a:t>
             </a:fld>
             <a:endParaRPr lang="en-US"/>
           </a:p>
@@ -1364,10 +1356,9 @@
           <a:lstStyle/>
           <a:p>
             <a:r>
-              <a:rPr lang="en-US" smtClean="0"/>
+              <a:rPr lang="en-US"/>
               <a:t>Click to edit Master title style</a:t>
             </a:r>
-            <a:endParaRPr lang="en-US"/>
           </a:p>
         </p:txBody>
       </p:sp>
@@ -1430,7 +1421,7 @@
           <a:p>
             <a:pPr lvl="0"/>
             <a:r>
-              <a:rPr lang="en-US" smtClean="0"/>
+              <a:rPr lang="en-US"/>
               <a:t>Click to edit Master text styles</a:t>
             </a:r>
           </a:p>
@@ -1458,38 +1449,37 @@
           <a:p>
             <a:pPr lvl="0"/>
             <a:r>
-              <a:rPr lang="en-US" smtClean="0"/>
+              <a:rPr lang="en-US"/>
               <a:t>Click to edit Master text styles</a:t>
             </a:r>
           </a:p>
           <a:p>
             <a:pPr lvl="1"/>
             <a:r>
-              <a:rPr lang="en-US" smtClean="0"/>
+              <a:rPr lang="en-US"/>
               <a:t>Second level</a:t>
             </a:r>
           </a:p>
           <a:p>
             <a:pPr lvl="2"/>
             <a:r>
-              <a:rPr lang="en-US" smtClean="0"/>
+              <a:rPr lang="en-US"/>
               <a:t>Third level</a:t>
             </a:r>
           </a:p>
           <a:p>
             <a:pPr lvl="3"/>
             <a:r>
-              <a:rPr lang="en-US" smtClean="0"/>
+              <a:rPr lang="en-US"/>
               <a:t>Fourth level</a:t>
             </a:r>
           </a:p>
           <a:p>
             <a:pPr lvl="4"/>
             <a:r>
-              <a:rPr lang="en-US" smtClean="0"/>
+              <a:rPr lang="en-US"/>
               <a:t>Fifth level</a:t>
             </a:r>
-            <a:endParaRPr lang="en-US"/>
           </a:p>
         </p:txBody>
       </p:sp>
@@ -1552,7 +1542,7 @@
           <a:p>
             <a:pPr lvl="0"/>
             <a:r>
-              <a:rPr lang="en-US" smtClean="0"/>
+              <a:rPr lang="en-US"/>
               <a:t>Click to edit Master text styles</a:t>
             </a:r>
           </a:p>
@@ -1580,38 +1570,37 @@
           <a:p>
             <a:pPr lvl="0"/>
             <a:r>
-              <a:rPr lang="en-US" smtClean="0"/>
+              <a:rPr lang="en-US"/>
               <a:t>Click to edit Master text styles</a:t>
             </a:r>
           </a:p>
           <a:p>
             <a:pPr lvl="1"/>
             <a:r>
-              <a:rPr lang="en-US" smtClean="0"/>
+              <a:rPr lang="en-US"/>
               <a:t>Second level</a:t>
             </a:r>
           </a:p>
           <a:p>
             <a:pPr lvl="2"/>
             <a:r>
-              <a:rPr lang="en-US" smtClean="0"/>
+              <a:rPr lang="en-US"/>
               <a:t>Third level</a:t>
             </a:r>
           </a:p>
           <a:p>
             <a:pPr lvl="3"/>
             <a:r>
-              <a:rPr lang="en-US" smtClean="0"/>
+              <a:rPr lang="en-US"/>
               <a:t>Fourth level</a:t>
             </a:r>
           </a:p>
           <a:p>
             <a:pPr lvl="4"/>
             <a:r>
-              <a:rPr lang="en-US" smtClean="0"/>
+              <a:rPr lang="en-US"/>
               <a:t>Fifth level</a:t>
             </a:r>
-            <a:endParaRPr lang="en-US"/>
           </a:p>
         </p:txBody>
       </p:sp>
@@ -1632,7 +1621,7 @@
           <a:p>
             <a:fld id="{1E9835A0-5DFA-499C-B5AD-C5ACD1F20274}" type="datetimeFigureOut">
               <a:rPr lang="en-US" smtClean="0"/>
-              <a:t>12/30/2016</a:t>
+              <a:t>12/29/2017</a:t>
             </a:fld>
             <a:endParaRPr lang="en-US"/>
           </a:p>
@@ -1726,10 +1715,9 @@
           <a:lstStyle/>
           <a:p>
             <a:r>
-              <a:rPr lang="en-US" smtClean="0"/>
+              <a:rPr lang="en-US"/>
               <a:t>Click to edit Master title style</a:t>
             </a:r>
-            <a:endParaRPr lang="en-US"/>
           </a:p>
         </p:txBody>
       </p:sp>
@@ -1750,7 +1738,7 @@
           <a:p>
             <a:fld id="{1E9835A0-5DFA-499C-B5AD-C5ACD1F20274}" type="datetimeFigureOut">
               <a:rPr lang="en-US" smtClean="0"/>
-              <a:t>12/30/2016</a:t>
+              <a:t>12/29/2017</a:t>
             </a:fld>
             <a:endParaRPr lang="en-US"/>
           </a:p>
@@ -1845,7 +1833,7 @@
           <a:p>
             <a:fld id="{1E9835A0-5DFA-499C-B5AD-C5ACD1F20274}" type="datetimeFigureOut">
               <a:rPr lang="en-US" smtClean="0"/>
-              <a:t>12/30/2016</a:t>
+              <a:t>12/29/2017</a:t>
             </a:fld>
             <a:endParaRPr lang="en-US"/>
           </a:p>
@@ -1948,10 +1936,9 @@
           </a:lstStyle>
           <a:p>
             <a:r>
-              <a:rPr lang="en-US" smtClean="0"/>
+              <a:rPr lang="en-US"/>
               <a:t>Click to edit Master title style</a:t>
             </a:r>
-            <a:endParaRPr lang="en-US"/>
           </a:p>
         </p:txBody>
       </p:sp>
@@ -2005,38 +1992,37 @@
           <a:p>
             <a:pPr lvl="0"/>
             <a:r>
-              <a:rPr lang="en-US" smtClean="0"/>
+              <a:rPr lang="en-US"/>
               <a:t>Click to edit Master text styles</a:t>
             </a:r>
           </a:p>
           <a:p>
             <a:pPr lvl="1"/>
             <a:r>
-              <a:rPr lang="en-US" smtClean="0"/>
+              <a:rPr lang="en-US"/>
               <a:t>Second level</a:t>
             </a:r>
           </a:p>
           <a:p>
             <a:pPr lvl="2"/>
             <a:r>
-              <a:rPr lang="en-US" smtClean="0"/>
+              <a:rPr lang="en-US"/>
               <a:t>Third level</a:t>
             </a:r>
           </a:p>
           <a:p>
             <a:pPr lvl="3"/>
             <a:r>
-              <a:rPr lang="en-US" smtClean="0"/>
+              <a:rPr lang="en-US"/>
               <a:t>Fourth level</a:t>
             </a:r>
           </a:p>
           <a:p>
             <a:pPr lvl="4"/>
             <a:r>
-              <a:rPr lang="en-US" smtClean="0"/>
+              <a:rPr lang="en-US"/>
               <a:t>Fifth level</a:t>
             </a:r>
-            <a:endParaRPr lang="en-US"/>
           </a:p>
         </p:txBody>
       </p:sp>
@@ -2099,7 +2085,7 @@
           <a:p>
             <a:pPr lvl="0"/>
             <a:r>
-              <a:rPr lang="en-US" smtClean="0"/>
+              <a:rPr lang="en-US"/>
               <a:t>Click to edit Master text styles</a:t>
             </a:r>
           </a:p>
@@ -2122,7 +2108,7 @@
           <a:p>
             <a:fld id="{1E9835A0-5DFA-499C-B5AD-C5ACD1F20274}" type="datetimeFigureOut">
               <a:rPr lang="en-US" smtClean="0"/>
-              <a:t>12/30/2016</a:t>
+              <a:t>12/29/2017</a:t>
             </a:fld>
             <a:endParaRPr lang="en-US"/>
           </a:p>
@@ -2225,10 +2211,9 @@
           </a:lstStyle>
           <a:p>
             <a:r>
-              <a:rPr lang="en-US" smtClean="0"/>
+              <a:rPr lang="en-US"/>
               <a:t>Click to edit Master title style</a:t>
             </a:r>
-            <a:endParaRPr lang="en-US"/>
           </a:p>
         </p:txBody>
       </p:sp>
@@ -2352,7 +2337,7 @@
           <a:p>
             <a:pPr lvl="0"/>
             <a:r>
-              <a:rPr lang="en-US" smtClean="0"/>
+              <a:rPr lang="en-US"/>
               <a:t>Click to edit Master text styles</a:t>
             </a:r>
           </a:p>
@@ -2375,7 +2360,7 @@
           <a:p>
             <a:fld id="{1E9835A0-5DFA-499C-B5AD-C5ACD1F20274}" type="datetimeFigureOut">
               <a:rPr lang="en-US" smtClean="0"/>
-              <a:t>12/30/2016</a:t>
+              <a:t>12/29/2017</a:t>
             </a:fld>
             <a:endParaRPr lang="en-US"/>
           </a:p>
@@ -2484,10 +2469,9 @@
           <a:lstStyle/>
           <a:p>
             <a:r>
-              <a:rPr lang="en-US" smtClean="0"/>
+              <a:rPr lang="en-US"/>
               <a:t>Click to edit Master title style</a:t>
             </a:r>
-            <a:endParaRPr lang="en-US"/>
           </a:p>
         </p:txBody>
       </p:sp>
@@ -2518,38 +2502,37 @@
           <a:p>
             <a:pPr lvl="0"/>
             <a:r>
-              <a:rPr lang="en-US" smtClean="0"/>
+              <a:rPr lang="en-US"/>
               <a:t>Click to edit Master text styles</a:t>
             </a:r>
           </a:p>
           <a:p>
             <a:pPr lvl="1"/>
             <a:r>
-              <a:rPr lang="en-US" smtClean="0"/>
+              <a:rPr lang="en-US"/>
               <a:t>Second level</a:t>
             </a:r>
           </a:p>
           <a:p>
             <a:pPr lvl="2"/>
             <a:r>
-              <a:rPr lang="en-US" smtClean="0"/>
+              <a:rPr lang="en-US"/>
               <a:t>Third level</a:t>
             </a:r>
           </a:p>
           <a:p>
             <a:pPr lvl="3"/>
             <a:r>
-              <a:rPr lang="en-US" smtClean="0"/>
+              <a:rPr lang="en-US"/>
               <a:t>Fourth level</a:t>
             </a:r>
           </a:p>
           <a:p>
             <a:pPr lvl="4"/>
             <a:r>
-              <a:rPr lang="en-US" smtClean="0"/>
+              <a:rPr lang="en-US"/>
               <a:t>Fifth level</a:t>
             </a:r>
-            <a:endParaRPr lang="en-US"/>
           </a:p>
         </p:txBody>
       </p:sp>
@@ -2588,7 +2571,7 @@
           <a:p>
             <a:fld id="{1E9835A0-5DFA-499C-B5AD-C5ACD1F20274}" type="datetimeFigureOut">
               <a:rPr lang="en-US" smtClean="0"/>
-              <a:t>12/30/2016</a:t>
+              <a:t>12/29/2017</a:t>
             </a:fld>
             <a:endParaRPr lang="en-US"/>
           </a:p>
@@ -3009,10 +2992,9 @@
           <a:lstStyle/>
           <a:p>
             <a:r>
-              <a:rPr lang="en-US" dirty="0" smtClean="0"/>
+              <a:rPr lang="en-US" dirty="0"/>
               <a:t>Python Programming for Remote Sensing and GIS</a:t>
             </a:r>
-            <a:endParaRPr lang="en-US" dirty="0"/>
           </a:p>
         </p:txBody>
       </p:sp>
@@ -3032,10 +3014,9 @@
           <a:lstStyle/>
           <a:p>
             <a:r>
-              <a:rPr lang="en-US" dirty="0" smtClean="0"/>
+              <a:rPr lang="en-US" dirty="0"/>
               <a:t>Gregory Brunner</a:t>
             </a:r>
-            <a:endParaRPr lang="en-US" dirty="0"/>
           </a:p>
         </p:txBody>
       </p:sp>
@@ -3085,10 +3066,9 @@
           <a:lstStyle/>
           <a:p>
             <a:r>
-              <a:rPr lang="en-US" dirty="0" smtClean="0"/>
+              <a:rPr lang="en-US" dirty="0"/>
               <a:t>Projects</a:t>
             </a:r>
-            <a:endParaRPr lang="en-US" dirty="0"/>
           </a:p>
         </p:txBody>
       </p:sp>
@@ -3108,55 +3088,21 @@
           <a:lstStyle/>
           <a:p>
             <a:r>
-              <a:rPr lang="en-US" dirty="0" smtClean="0"/>
-              <a:t>Projects </a:t>
-            </a:r>
-            <a:r>
-              <a:rPr lang="en-US" dirty="0" smtClean="0"/>
-              <a:t>will ensure your developing an understanding of how to use Python to solve GIS and Remote Sensing Problems</a:t>
-            </a:r>
-          </a:p>
-          <a:p>
-            <a:r>
-              <a:rPr lang="en-US" dirty="0" smtClean="0"/>
-              <a:t>Project 1: </a:t>
-            </a:r>
-            <a:r>
-              <a:rPr lang="en-US" dirty="0" smtClean="0"/>
-              <a:t>Will likely </a:t>
-            </a:r>
-            <a:r>
-              <a:rPr lang="en-US" dirty="0"/>
-              <a:t>consist of working with tabular data (CSV or text file) or generating some report based on GIS data using Python. I will give the assignment by week 4. It is due before class on week </a:t>
-            </a:r>
-            <a:r>
-              <a:rPr lang="en-US" dirty="0" smtClean="0"/>
-              <a:t>6</a:t>
-            </a:r>
-            <a:r>
-              <a:rPr lang="en-US" dirty="0" smtClean="0"/>
-              <a:t>.</a:t>
-            </a:r>
-            <a:endParaRPr lang="en-US" dirty="0" smtClean="0"/>
-          </a:p>
-          <a:p>
-            <a:r>
-              <a:rPr lang="en-US" dirty="0" smtClean="0"/>
-              <a:t>Project 2: </a:t>
-            </a:r>
-            <a:r>
-              <a:rPr lang="en-US" dirty="0"/>
-              <a:t>W</a:t>
-            </a:r>
-            <a:r>
-              <a:rPr lang="en-US" dirty="0" smtClean="0"/>
-              <a:t>ill </a:t>
-            </a:r>
-            <a:r>
-              <a:rPr lang="en-US" dirty="0"/>
-              <a:t>likely consist of using Python to do some sort of spatial analysis or raster analysis. It will be assigned by week 9. It is due before class on week 11.</a:t>
-            </a:r>
-            <a:endParaRPr lang="en-US" dirty="0"/>
+              <a:rPr lang="en-US" dirty="0"/>
+              <a:t>Projects will ensure your developing an understanding of how to use Python to solve GIS and Remote Sensing Problems</a:t>
+            </a:r>
+          </a:p>
+          <a:p>
+            <a:r>
+              <a:rPr lang="en-US" dirty="0"/>
+              <a:t>Project 1: Will likely consist of working with tabular data (CSV or text file) or generating some report based on GIS data using Python. I will give the assignment by week 4. It is due before class on week 6.</a:t>
+            </a:r>
+          </a:p>
+          <a:p>
+            <a:r>
+              <a:rPr lang="en-US" dirty="0"/>
+              <a:t>Project 2: Will likely consist of using Python to do some sort of spatial analysis or raster analysis. It will be assigned by week 9. It is due before class on week 11.</a:t>
+            </a:r>
           </a:p>
         </p:txBody>
       </p:sp>
@@ -3206,46 +3152,40 @@
           <a:lstStyle/>
           <a:p>
             <a:r>
-              <a:rPr lang="en-US" dirty="0" smtClean="0"/>
+              <a:rPr lang="en-US" dirty="0"/>
               <a:t>Final Project</a:t>
             </a:r>
+          </a:p>
+        </p:txBody>
+      </p:sp>
+      <p:sp>
+        <p:nvSpPr>
+          <p:cNvPr id="3" name="Content Placeholder 2"/>
+          <p:cNvSpPr>
+            <a:spLocks noGrp="1"/>
+          </p:cNvSpPr>
+          <p:nvPr>
+            <p:ph idx="1"/>
+          </p:nvPr>
+        </p:nvSpPr>
+        <p:spPr/>
+        <p:txBody>
+          <a:bodyPr/>
+          <a:lstStyle/>
+          <a:p>
+            <a:r>
+              <a:rPr lang="en-US" dirty="0"/>
+              <a:t>You define the problem.</a:t>
+            </a:r>
+          </a:p>
+          <a:p>
             <a:endParaRPr lang="en-US" dirty="0"/>
           </a:p>
-        </p:txBody>
-      </p:sp>
-      <p:sp>
-        <p:nvSpPr>
-          <p:cNvPr id="3" name="Content Placeholder 2"/>
-          <p:cNvSpPr>
-            <a:spLocks noGrp="1"/>
-          </p:cNvSpPr>
-          <p:nvPr>
-            <p:ph idx="1"/>
-          </p:nvPr>
-        </p:nvSpPr>
-        <p:spPr/>
-        <p:txBody>
-          <a:bodyPr/>
-          <a:lstStyle/>
-          <a:p>
-            <a:r>
-              <a:rPr lang="en-US" dirty="0" smtClean="0"/>
-              <a:t>You define the problem.</a:t>
-            </a:r>
-          </a:p>
-          <a:p>
-            <a:endParaRPr lang="en-US" dirty="0" smtClean="0"/>
-          </a:p>
-          <a:p>
-            <a:r>
-              <a:rPr lang="en-US" dirty="0" smtClean="0"/>
-              <a:t>Before </a:t>
-            </a:r>
-            <a:r>
-              <a:rPr lang="en-US" dirty="0"/>
-              <a:t>Spring Break (i.e. by Week 8), please submit to me a short write up (no more than 1 page) of what your project will be, what problem you will solve, how you will use Python to solve the problem</a:t>
-            </a:r>
-            <a:endParaRPr lang="en-US" dirty="0"/>
+          <a:p>
+            <a:r>
+              <a:rPr lang="en-US" dirty="0"/>
+              <a:t>Before Spring Break (i.e. by Week 8), please submit to me a short write up (no more than 1 page) of what your project will be, what problem you will solve, how you will use Python to solve the problem</a:t>
+            </a:r>
           </a:p>
         </p:txBody>
       </p:sp>
@@ -3295,10 +3235,9 @@
           <a:lstStyle/>
           <a:p>
             <a:r>
-              <a:rPr lang="en-US" dirty="0" smtClean="0"/>
+              <a:rPr lang="en-US" dirty="0"/>
               <a:t>Blackboard</a:t>
             </a:r>
-            <a:endParaRPr lang="en-US" dirty="0"/>
           </a:p>
         </p:txBody>
       </p:sp>
@@ -3367,10 +3306,9 @@
           <a:lstStyle/>
           <a:p>
             <a:r>
-              <a:rPr lang="en-US" dirty="0" smtClean="0"/>
+              <a:rPr lang="en-US" dirty="0"/>
               <a:t>GitHub</a:t>
             </a:r>
-            <a:endParaRPr lang="en-US" dirty="0"/>
           </a:p>
         </p:txBody>
       </p:sp>
@@ -3390,26 +3328,25 @@
           <a:lstStyle/>
           <a:p>
             <a:r>
-              <a:rPr lang="en-US" dirty="0" smtClean="0"/>
+              <a:rPr lang="en-US" dirty="0"/>
               <a:t>You need to become familiar with </a:t>
             </a:r>
             <a:r>
-              <a:rPr lang="en-US" dirty="0" smtClean="0">
+              <a:rPr lang="en-US" dirty="0">
                 <a:hlinkClick r:id="rId2"/>
               </a:rPr>
               <a:t>GitHub</a:t>
             </a:r>
             <a:r>
-              <a:rPr lang="en-US" dirty="0" smtClean="0"/>
+              <a:rPr lang="en-US" dirty="0"/>
               <a:t>.</a:t>
             </a:r>
           </a:p>
           <a:p>
             <a:r>
-              <a:rPr lang="en-US" dirty="0" smtClean="0"/>
+              <a:rPr lang="en-US" dirty="0"/>
               <a:t>My intent is for everyone to get a GitHub account and submit Projects via GitHub</a:t>
             </a:r>
-            <a:endParaRPr lang="en-US" dirty="0"/>
           </a:p>
         </p:txBody>
       </p:sp>
@@ -3459,10 +3396,142 @@
           <a:lstStyle/>
           <a:p>
             <a:r>
-              <a:rPr lang="en-US" dirty="0" smtClean="0"/>
-              <a:t>Required Textbook</a:t>
+              <a:rPr lang="en-US" dirty="0"/>
+              <a:t>Recommended Textbook	</a:t>
+            </a:r>
+          </a:p>
+        </p:txBody>
+      </p:sp>
+      <p:sp>
+        <p:nvSpPr>
+          <p:cNvPr id="3" name="Content Placeholder 2"/>
+          <p:cNvSpPr>
+            <a:spLocks noGrp="1"/>
+          </p:cNvSpPr>
+          <p:nvPr>
+            <p:ph idx="1"/>
+          </p:nvPr>
+        </p:nvSpPr>
+        <p:spPr>
+          <a:xfrm>
+            <a:off x="838200" y="1444625"/>
+            <a:ext cx="10515600" cy="4351338"/>
+          </a:xfrm>
+        </p:spPr>
+        <p:txBody>
+          <a:bodyPr/>
+          <a:lstStyle/>
+          <a:p>
+            <a:r>
+              <a:rPr lang="en-US" dirty="0"/>
+              <a:t>GIS Tutorial for Python® Scripting - </a:t>
+            </a:r>
+            <a:r>
+              <a:rPr lang="en-US" dirty="0">
+                <a:hlinkClick r:id="rId2"/>
+              </a:rPr>
+              <a:t>http://esripress.esri.com/bookResources/index.cfm?event=catalog.book&amp;id=8</a:t>
             </a:r>
             <a:endParaRPr lang="en-US" dirty="0"/>
+          </a:p>
+          <a:p>
+            <a:endParaRPr lang="en-US" dirty="0"/>
+          </a:p>
+          <a:p>
+            <a:endParaRPr lang="en-US" dirty="0"/>
+          </a:p>
+        </p:txBody>
+      </p:sp>
+      <p:pic>
+        <p:nvPicPr>
+          <p:cNvPr id="1028" name="Picture 4" descr="Image result for gis tutorial for python scripting"/>
+          <p:cNvPicPr>
+            <a:picLocks noChangeAspect="1" noChangeArrowheads="1"/>
+          </p:cNvPicPr>
+          <p:nvPr/>
+        </p:nvPicPr>
+        <p:blipFill>
+          <a:blip r:embed="rId3">
+            <a:extLst>
+              <a:ext uri="{28A0092B-C50C-407E-A947-70E740481C1C}">
+                <a14:useLocalDpi xmlns:a14="http://schemas.microsoft.com/office/drawing/2010/main" val="0"/>
+              </a:ext>
+            </a:extLst>
+          </a:blip>
+          <a:srcRect/>
+          <a:stretch>
+            <a:fillRect/>
+          </a:stretch>
+        </p:blipFill>
+        <p:spPr bwMode="auto">
+          <a:xfrm>
+            <a:off x="3426353" y="2353733"/>
+            <a:ext cx="4400021" cy="4400021"/>
+          </a:xfrm>
+          <a:prstGeom prst="rect">
+            <a:avLst/>
+          </a:prstGeom>
+          <a:noFill/>
+          <a:extLst>
+            <a:ext uri="{909E8E84-426E-40DD-AFC4-6F175D3DCCD1}">
+              <a14:hiddenFill xmlns:a14="http://schemas.microsoft.com/office/drawing/2010/main">
+                <a:solidFill>
+                  <a:srgbClr val="FFFFFF"/>
+                </a:solidFill>
+              </a14:hiddenFill>
+            </a:ext>
+          </a:extLst>
+        </p:spPr>
+      </p:pic>
+    </p:spTree>
+    <p:extLst>
+      <p:ext uri="{BB962C8B-B14F-4D97-AF65-F5344CB8AC3E}">
+        <p14:creationId xmlns:p14="http://schemas.microsoft.com/office/powerpoint/2010/main" val="3918576929"/>
+      </p:ext>
+    </p:extLst>
+  </p:cSld>
+  <p:clrMapOvr>
+    <a:masterClrMapping/>
+  </p:clrMapOvr>
+</p:sld>
+</file>
+
+<file path=ppt/slides/slide15.xml><?xml version="1.0" encoding="utf-8"?>
+<p:sld xmlns:a="http://schemas.openxmlformats.org/drawingml/2006/main" xmlns:r="http://schemas.openxmlformats.org/officeDocument/2006/relationships" xmlns:p="http://schemas.openxmlformats.org/presentationml/2006/main">
+  <p:cSld>
+    <p:spTree>
+      <p:nvGrpSpPr>
+        <p:cNvPr id="1" name=""/>
+        <p:cNvGrpSpPr/>
+        <p:nvPr/>
+      </p:nvGrpSpPr>
+      <p:grpSpPr>
+        <a:xfrm>
+          <a:off x="0" y="0"/>
+          <a:ext cx="0" cy="0"/>
+          <a:chOff x="0" y="0"/>
+          <a:chExt cx="0" cy="0"/>
+        </a:xfrm>
+      </p:grpSpPr>
+      <p:sp>
+        <p:nvSpPr>
+          <p:cNvPr id="2" name="Title 1"/>
+          <p:cNvSpPr>
+            <a:spLocks noGrp="1"/>
+          </p:cNvSpPr>
+          <p:nvPr>
+            <p:ph type="title"/>
+          </p:nvPr>
+        </p:nvSpPr>
+        <p:spPr/>
+        <p:txBody>
+          <a:bodyPr/>
+          <a:lstStyle/>
+          <a:p>
+            <a:r>
+              <a:rPr lang="en-US" dirty="0"/>
+              <a:t>Recommended Textbook</a:t>
+            </a:r>
           </a:p>
         </p:txBody>
       </p:sp>
@@ -3492,12 +3561,8 @@
               </a:spcBef>
             </a:pPr>
             <a:r>
-              <a:rPr lang="en-US" dirty="0" smtClean="0"/>
-              <a:t>Toms</a:t>
-            </a:r>
-            <a:r>
-              <a:rPr lang="en-US" dirty="0"/>
-              <a:t>, Silas. </a:t>
+              <a:rPr lang="en-US" dirty="0"/>
+              <a:t>Toms, Silas. </a:t>
             </a:r>
             <a:r>
               <a:rPr lang="en-US" dirty="0" err="1"/>
@@ -3514,10 +3579,9 @@
               <a:t>https://www.amazon.com/ArcPy-ArcGIS-Geospatial-Analysis-Python/dp/1783988665</a:t>
             </a:r>
             <a:r>
-              <a:rPr lang="en-US" dirty="0" smtClean="0"/>
+              <a:rPr lang="en-US" dirty="0"/>
               <a:t>)</a:t>
             </a:r>
-            <a:endParaRPr lang="en-US" dirty="0" smtClean="0"/>
           </a:p>
           <a:p>
             <a:endParaRPr lang="en-US" dirty="0"/>
@@ -3578,7 +3642,7 @@
 </p:sld>
 </file>
 
-<file path=ppt/slides/slide15.xml><?xml version="1.0" encoding="utf-8"?>
+<file path=ppt/slides/slide16.xml><?xml version="1.0" encoding="utf-8"?>
 <p:sld xmlns:a="http://schemas.openxmlformats.org/drawingml/2006/main" xmlns:r="http://schemas.openxmlformats.org/officeDocument/2006/relationships" xmlns:p="http://schemas.openxmlformats.org/presentationml/2006/main">
   <p:cSld>
     <p:spTree>
@@ -3611,10 +3675,9 @@
           <a:lstStyle/>
           <a:p>
             <a:r>
-              <a:rPr lang="en-US" dirty="0" smtClean="0"/>
+              <a:rPr lang="en-US" dirty="0"/>
               <a:t>Optional Textbook	</a:t>
             </a:r>
-            <a:endParaRPr lang="en-US" dirty="0"/>
           </a:p>
         </p:txBody>
       </p:sp>
@@ -3644,47 +3707,30 @@
               </a:spcBef>
             </a:pPr>
             <a:r>
-              <a:rPr lang="en-US" dirty="0" smtClean="0"/>
+              <a:rPr lang="en-US" dirty="0"/>
               <a:t>Recommended: </a:t>
             </a:r>
             <a:r>
-              <a:rPr lang="en-US" dirty="0" err="1" smtClean="0"/>
+              <a:rPr lang="en-US" dirty="0" err="1"/>
               <a:t>Zandbergen</a:t>
             </a:r>
             <a:r>
               <a:rPr lang="en-US" dirty="0"/>
-              <a:t>, Paul A. Python Scripting for </a:t>
-            </a:r>
-            <a:r>
-              <a:rPr lang="en-US" dirty="0" smtClean="0"/>
-              <a:t>ArcGIS - </a:t>
-            </a:r>
-            <a:r>
-              <a:rPr lang="en-US" dirty="0" smtClean="0">
-                <a:hlinkClick r:id="rId2"/>
-              </a:rPr>
-              <a:t>http</a:t>
+              <a:t>, Paul A. Python Scripting for ArcGIS - </a:t>
             </a:r>
             <a:r>
               <a:rPr lang="en-US" dirty="0">
                 <a:hlinkClick r:id="rId2"/>
               </a:rPr>
-              <a:t>://</a:t>
-            </a:r>
-            <a:r>
-              <a:rPr lang="en-US" dirty="0" smtClean="0">
-                <a:hlinkClick r:id="rId2"/>
-              </a:rPr>
-              <a:t>esripress.esri.com/bookResources/index.cfm?event=catalog.book&amp;id=9</a:t>
-            </a:r>
-            <a:r>
-              <a:rPr lang="en-US" dirty="0" smtClean="0"/>
+              <a:t>http://esripress.esri.com/bookResources/index.cfm?event=catalog.book&amp;id=9</a:t>
+            </a:r>
+            <a:r>
+              <a:rPr lang="en-US" dirty="0"/>
               <a:t> </a:t>
             </a:r>
+          </a:p>
+          <a:p>
             <a:endParaRPr lang="en-US" dirty="0"/>
-          </a:p>
-          <a:p>
-            <a:endParaRPr lang="en-US" dirty="0" smtClean="0"/>
           </a:p>
           <a:p>
             <a:endParaRPr lang="en-US" dirty="0"/>
@@ -3748,149 +3794,6 @@
 </p:sld>
 </file>
 
-<file path=ppt/slides/slide16.xml><?xml version="1.0" encoding="utf-8"?>
-<p:sld xmlns:a="http://schemas.openxmlformats.org/drawingml/2006/main" xmlns:r="http://schemas.openxmlformats.org/officeDocument/2006/relationships" xmlns:p="http://schemas.openxmlformats.org/presentationml/2006/main">
-  <p:cSld>
-    <p:spTree>
-      <p:nvGrpSpPr>
-        <p:cNvPr id="1" name=""/>
-        <p:cNvGrpSpPr/>
-        <p:nvPr/>
-      </p:nvGrpSpPr>
-      <p:grpSpPr>
-        <a:xfrm>
-          <a:off x="0" y="0"/>
-          <a:ext cx="0" cy="0"/>
-          <a:chOff x="0" y="0"/>
-          <a:chExt cx="0" cy="0"/>
-        </a:xfrm>
-      </p:grpSpPr>
-      <p:sp>
-        <p:nvSpPr>
-          <p:cNvPr id="2" name="Title 1"/>
-          <p:cNvSpPr>
-            <a:spLocks noGrp="1"/>
-          </p:cNvSpPr>
-          <p:nvPr>
-            <p:ph type="title"/>
-          </p:nvPr>
-        </p:nvSpPr>
-        <p:spPr/>
-        <p:txBody>
-          <a:bodyPr/>
-          <a:lstStyle/>
-          <a:p>
-            <a:r>
-              <a:rPr lang="en-US" dirty="0"/>
-              <a:t>Optional Textbook	</a:t>
-            </a:r>
-          </a:p>
-        </p:txBody>
-      </p:sp>
-      <p:sp>
-        <p:nvSpPr>
-          <p:cNvPr id="3" name="Content Placeholder 2"/>
-          <p:cNvSpPr>
-            <a:spLocks noGrp="1"/>
-          </p:cNvSpPr>
-          <p:nvPr>
-            <p:ph idx="1"/>
-          </p:nvPr>
-        </p:nvSpPr>
-        <p:spPr>
-          <a:xfrm>
-            <a:off x="838200" y="1444625"/>
-            <a:ext cx="10515600" cy="4351338"/>
-          </a:xfrm>
-        </p:spPr>
-        <p:txBody>
-          <a:bodyPr/>
-          <a:lstStyle/>
-          <a:p>
-            <a:r>
-              <a:rPr lang="en-US" dirty="0"/>
-              <a:t>GIS Tutorial for Python® </a:t>
-            </a:r>
-            <a:r>
-              <a:rPr lang="en-US" dirty="0"/>
-              <a:t>Scripting - </a:t>
-            </a:r>
-            <a:r>
-              <a:rPr lang="en-US" dirty="0">
-                <a:hlinkClick r:id="rId2"/>
-              </a:rPr>
-              <a:t>http://</a:t>
-            </a:r>
-            <a:r>
-              <a:rPr lang="en-US" dirty="0" smtClean="0">
-                <a:hlinkClick r:id="rId2"/>
-              </a:rPr>
-              <a:t>esripress.esri.com/bookResources/index.cfm?event=catalog.book&amp;id=8</a:t>
-            </a:r>
-            <a:endParaRPr lang="en-US" dirty="0" smtClean="0"/>
-          </a:p>
-          <a:p>
-            <a:endParaRPr lang="en-US" dirty="0"/>
-          </a:p>
-          <a:p>
-            <a:endParaRPr lang="en-US" dirty="0"/>
-          </a:p>
-        </p:txBody>
-      </p:sp>
-      <p:pic>
-        <p:nvPicPr>
-          <p:cNvPr id="1028" name="Picture 4" descr="Image result for gis tutorial for python scripting"/>
-          <p:cNvPicPr>
-            <a:picLocks noChangeAspect="1" noChangeArrowheads="1"/>
-          </p:cNvPicPr>
-          <p:nvPr/>
-        </p:nvPicPr>
-        <p:blipFill>
-          <a:blip r:embed="rId3">
-            <a:extLst>
-              <a:ext uri="{28A0092B-C50C-407E-A947-70E740481C1C}">
-                <a14:useLocalDpi xmlns:a14="http://schemas.microsoft.com/office/drawing/2010/main" val="0"/>
-              </a:ext>
-            </a:extLst>
-          </a:blip>
-          <a:srcRect/>
-          <a:stretch>
-            <a:fillRect/>
-          </a:stretch>
-        </p:blipFill>
-        <p:spPr bwMode="auto">
-          <a:xfrm>
-            <a:off x="3426353" y="2353733"/>
-            <a:ext cx="4400021" cy="4400021"/>
-          </a:xfrm>
-          <a:prstGeom prst="rect">
-            <a:avLst/>
-          </a:prstGeom>
-          <a:noFill/>
-          <a:extLst>
-            <a:ext uri="{909E8E84-426E-40DD-AFC4-6F175D3DCCD1}">
-              <a14:hiddenFill xmlns:a14="http://schemas.microsoft.com/office/drawing/2010/main">
-                <a:solidFill>
-                  <a:srgbClr val="FFFFFF"/>
-                </a:solidFill>
-              </a14:hiddenFill>
-            </a:ext>
-          </a:extLst>
-        </p:spPr>
-      </p:pic>
-    </p:spTree>
-    <p:extLst>
-      <p:ext uri="{BB962C8B-B14F-4D97-AF65-F5344CB8AC3E}">
-        <p14:creationId xmlns:p14="http://schemas.microsoft.com/office/powerpoint/2010/main" val="3918576929"/>
-      </p:ext>
-    </p:extLst>
-  </p:cSld>
-  <p:clrMapOvr>
-    <a:masterClrMapping/>
-  </p:clrMapOvr>
-</p:sld>
-</file>
-
 <file path=ppt/slides/slide17.xml><?xml version="1.0" encoding="utf-8"?>
 <p:sld xmlns:a="http://schemas.openxmlformats.org/drawingml/2006/main" xmlns:r="http://schemas.openxmlformats.org/officeDocument/2006/relationships" xmlns:p="http://schemas.openxmlformats.org/presentationml/2006/main">
   <p:cSld>
@@ -3952,25 +3855,15 @@
           <a:p>
             <a:r>
               <a:rPr lang="en-US" dirty="0"/>
-              <a:t>Python For </a:t>
-            </a:r>
-            <a:r>
-              <a:rPr lang="en-US" dirty="0"/>
-              <a:t>ArcGIS - </a:t>
+              <a:t>Python For ArcGIS - </a:t>
             </a:r>
             <a:r>
               <a:rPr lang="en-US" dirty="0">
                 <a:hlinkClick r:id="rId2"/>
               </a:rPr>
-              <a:t>http://</a:t>
-            </a:r>
-            <a:r>
-              <a:rPr lang="en-US" dirty="0" smtClean="0">
-                <a:hlinkClick r:id="rId2"/>
-              </a:rPr>
-              <a:t>www.springer.com/us/book/9783319183978</a:t>
-            </a:r>
-            <a:endParaRPr lang="en-US" dirty="0" smtClean="0"/>
+              <a:t>http://www.springer.com/us/book/9783319183978</a:t>
+            </a:r>
+            <a:endParaRPr lang="en-US" dirty="0"/>
           </a:p>
           <a:p>
             <a:endParaRPr lang="en-US" dirty="0"/>
@@ -4067,10 +3960,9 @@
           <a:lstStyle/>
           <a:p>
             <a:r>
-              <a:rPr lang="en-US" dirty="0" smtClean="0"/>
+              <a:rPr lang="en-US" dirty="0"/>
               <a:t>Any Questions?</a:t>
             </a:r>
-            <a:endParaRPr lang="en-US" dirty="0"/>
           </a:p>
         </p:txBody>
       </p:sp>
@@ -4139,10 +4031,9 @@
           <a:lstStyle/>
           <a:p>
             <a:r>
-              <a:rPr lang="en-US" dirty="0" smtClean="0"/>
+              <a:rPr lang="en-US" dirty="0"/>
               <a:t>Python</a:t>
             </a:r>
-            <a:endParaRPr lang="en-US" dirty="0"/>
           </a:p>
         </p:txBody>
       </p:sp>
@@ -4162,10 +4053,9 @@
           <a:lstStyle/>
           <a:p>
             <a:r>
-              <a:rPr lang="en-US" dirty="0" smtClean="0"/>
+              <a:rPr lang="en-US" dirty="0"/>
               <a:t>Gregory Brunner</a:t>
             </a:r>
-            <a:endParaRPr lang="en-US" dirty="0"/>
           </a:p>
         </p:txBody>
       </p:sp>
@@ -4179,13 +4069,6 @@
   <p:clrMapOvr>
     <a:masterClrMapping/>
   </p:clrMapOvr>
-  <p:timing>
-    <p:tnLst>
-      <p:par>
-        <p:cTn id="1" dur="indefinite" restart="never" nodeType="tmRoot"/>
-      </p:par>
-    </p:tnLst>
-  </p:timing>
 </p:sld>
 </file>
 
@@ -4222,68 +4105,58 @@
           <a:lstStyle/>
           <a:p>
             <a:r>
-              <a:rPr lang="en-US" dirty="0" smtClean="0"/>
+              <a:rPr lang="en-US" dirty="0"/>
               <a:t>Welcome!</a:t>
             </a:r>
+          </a:p>
+        </p:txBody>
+      </p:sp>
+      <p:sp>
+        <p:nvSpPr>
+          <p:cNvPr id="3" name="Content Placeholder 2"/>
+          <p:cNvSpPr>
+            <a:spLocks noGrp="1"/>
+          </p:cNvSpPr>
+          <p:nvPr>
+            <p:ph idx="1"/>
+          </p:nvPr>
+        </p:nvSpPr>
+        <p:spPr/>
+        <p:txBody>
+          <a:bodyPr/>
+          <a:lstStyle/>
+          <a:p>
+            <a:r>
+              <a:rPr lang="en-US" dirty="0"/>
+              <a:t>I’m Greg</a:t>
+            </a:r>
+          </a:p>
+          <a:p>
+            <a:r>
+              <a:rPr lang="en-US" dirty="0"/>
+              <a:t>Scientists/developer for </a:t>
+            </a:r>
+            <a:r>
+              <a:rPr lang="en-US" dirty="0" err="1"/>
+              <a:t>Esri</a:t>
+            </a:r>
             <a:endParaRPr lang="en-US" dirty="0"/>
           </a:p>
-        </p:txBody>
-      </p:sp>
-      <p:sp>
-        <p:nvSpPr>
-          <p:cNvPr id="3" name="Content Placeholder 2"/>
-          <p:cNvSpPr>
-            <a:spLocks noGrp="1"/>
-          </p:cNvSpPr>
-          <p:nvPr>
-            <p:ph idx="1"/>
-          </p:nvPr>
-        </p:nvSpPr>
-        <p:spPr/>
-        <p:txBody>
-          <a:bodyPr/>
-          <a:lstStyle/>
-          <a:p>
-            <a:r>
-              <a:rPr lang="en-US" dirty="0" smtClean="0"/>
-              <a:t>I’m Greg Brunner</a:t>
-            </a:r>
-          </a:p>
-          <a:p>
-            <a:r>
-              <a:rPr lang="en-US" dirty="0" smtClean="0"/>
-              <a:t>Scientists/developer for </a:t>
-            </a:r>
-            <a:r>
-              <a:rPr lang="en-US" dirty="0" err="1" smtClean="0"/>
-              <a:t>Esri</a:t>
-            </a:r>
-            <a:endParaRPr lang="en-US" dirty="0" smtClean="0"/>
-          </a:p>
-          <a:p>
-            <a:r>
-              <a:rPr lang="en-US" dirty="0" smtClean="0"/>
-              <a:t>Programming with Python for 5+ years</a:t>
-            </a:r>
-          </a:p>
-          <a:p>
-            <a:r>
-              <a:rPr lang="en-US" dirty="0" smtClean="0"/>
-              <a:t>Email</a:t>
-            </a:r>
-            <a:r>
-              <a:rPr lang="en-US" dirty="0" smtClean="0"/>
-              <a:t>: brunnergj@slu</a:t>
-            </a:r>
-            <a:r>
-              <a:rPr lang="en-US" dirty="0" smtClean="0"/>
-              <a:t>.edu</a:t>
-            </a:r>
-            <a:endParaRPr lang="en-US" dirty="0" smtClean="0"/>
-          </a:p>
-          <a:p>
-            <a:r>
-              <a:rPr lang="en-US" dirty="0" smtClean="0"/>
+          <a:p>
+            <a:r>
+              <a:rPr lang="en-US" dirty="0"/>
+              <a:t>Programming with Python for 6+ years</a:t>
+            </a:r>
+          </a:p>
+          <a:p>
+            <a:r>
+              <a:rPr lang="en-US" dirty="0"/>
+              <a:t>Email: gregory.brunner@slu.edu</a:t>
+            </a:r>
+          </a:p>
+          <a:p>
+            <a:r>
+              <a:rPr lang="en-US" dirty="0"/>
               <a:t>Office hours: Before class or upon request</a:t>
             </a:r>
           </a:p>
@@ -4338,18 +4211,9 @@
           <a:lstStyle/>
           <a:p>
             <a:r>
-              <a:rPr lang="en-US" dirty="0" smtClean="0"/>
-              <a:t>Why Python? (</a:t>
-            </a:r>
-            <a:r>
-              <a:rPr lang="en-US" dirty="0"/>
-              <a:t>Jessica McKellar</a:t>
-            </a:r>
-            <a:r>
-              <a:rPr lang="en-US" dirty="0" smtClean="0"/>
-              <a:t>)</a:t>
-            </a:r>
-            <a:endParaRPr lang="en-US" dirty="0"/>
+              <a:rPr lang="en-US" dirty="0"/>
+              <a:t>Why Python? (Jessica McKellar)</a:t>
+            </a:r>
           </a:p>
         </p:txBody>
       </p:sp>
@@ -4390,13 +4254,6 @@
   <p:clrMapOvr>
     <a:masterClrMapping/>
   </p:clrMapOvr>
-  <p:timing>
-    <p:tnLst>
-      <p:par>
-        <p:cTn id="1" dur="indefinite" restart="never" nodeType="tmRoot"/>
-      </p:par>
-    </p:tnLst>
-  </p:timing>
 </p:sld>
 </file>
 
@@ -4433,10 +4290,9 @@
           <a:lstStyle/>
           <a:p>
             <a:r>
-              <a:rPr lang="en-US" dirty="0" smtClean="0"/>
+              <a:rPr lang="en-US" dirty="0"/>
               <a:t>Quoting Jessica</a:t>
             </a:r>
-            <a:endParaRPr lang="en-US" dirty="0"/>
           </a:p>
         </p:txBody>
       </p:sp>
@@ -4513,13 +4369,6 @@
   <p:clrMapOvr>
     <a:masterClrMapping/>
   </p:clrMapOvr>
-  <p:timing>
-    <p:tnLst>
-      <p:par>
-        <p:cTn id="1" dur="indefinite" restart="never" nodeType="tmRoot"/>
-      </p:par>
-    </p:tnLst>
-  </p:timing>
 </p:sld>
 </file>
 
@@ -4556,10 +4405,9 @@
           <a:lstStyle/>
           <a:p>
             <a:r>
-              <a:rPr lang="en-US" dirty="0" smtClean="0"/>
+              <a:rPr lang="en-US" dirty="0"/>
               <a:t>Why do I love Python?</a:t>
             </a:r>
-            <a:endParaRPr lang="en-US" dirty="0"/>
           </a:p>
         </p:txBody>
       </p:sp>
@@ -4633,13 +4481,6 @@
   <p:clrMapOvr>
     <a:masterClrMapping/>
   </p:clrMapOvr>
-  <p:timing>
-    <p:tnLst>
-      <p:par>
-        <p:cTn id="1" dur="indefinite" restart="never" nodeType="tmRoot"/>
-      </p:par>
-    </p:tnLst>
-  </p:timing>
 </p:sld>
 </file>
 
@@ -4676,18 +4517,9 @@
           <a:lstStyle/>
           <a:p>
             <a:r>
-              <a:rPr lang="en-US" dirty="0" smtClean="0"/>
-              <a:t>My </a:t>
-            </a:r>
-            <a:r>
-              <a:rPr lang="en-US" dirty="0"/>
-              <a:t>F</a:t>
-            </a:r>
-            <a:r>
-              <a:rPr lang="en-US" dirty="0" smtClean="0"/>
-              <a:t>avorite Examples</a:t>
-            </a:r>
-            <a:endParaRPr lang="en-US" dirty="0"/>
+              <a:rPr lang="en-US" dirty="0"/>
+              <a:t>My Favorite Examples</a:t>
+            </a:r>
           </a:p>
         </p:txBody>
       </p:sp>
@@ -4714,85 +4546,46 @@
           <a:lstStyle/>
           <a:p>
             <a:r>
-              <a:rPr lang="en-US" dirty="0" smtClean="0"/>
-              <a:t>Basketball </a:t>
-            </a:r>
-            <a:r>
-              <a:rPr lang="en-US" dirty="0"/>
-              <a:t>– </a:t>
-            </a:r>
-            <a:endParaRPr lang="en-US" dirty="0" smtClean="0"/>
+              <a:rPr lang="en-US" dirty="0"/>
+              <a:t>Basketball – </a:t>
+            </a:r>
           </a:p>
           <a:p>
             <a:pPr lvl="1"/>
-            <a:r>
-              <a:rPr lang="en-US" dirty="0" smtClean="0">
-                <a:hlinkClick r:id="rId2"/>
-              </a:rPr>
-              <a:t>https</a:t>
-            </a:r>
             <a:r>
               <a:rPr lang="en-US" dirty="0">
                 <a:hlinkClick r:id="rId2"/>
               </a:rPr>
-              <a:t>://</a:t>
-            </a:r>
-            <a:r>
-              <a:rPr lang="en-US" dirty="0" smtClean="0">
-                <a:hlinkClick r:id="rId2"/>
-              </a:rPr>
-              <a:t>github.com/gbrunner/Courtside-Geography/blob/master/single_player_shotchart.py</a:t>
-            </a:r>
-            <a:endParaRPr lang="en-US" dirty="0" smtClean="0"/>
+              <a:t>https://github.com/gbrunner/Courtside-Geography/blob/master/single_player_shotchart.py</a:t>
+            </a:r>
+            <a:endParaRPr lang="en-US" dirty="0"/>
           </a:p>
           <a:p>
             <a:pPr lvl="1"/>
-            <a:r>
-              <a:rPr lang="en-US" dirty="0" smtClean="0">
-                <a:hlinkClick r:id="rId3"/>
-              </a:rPr>
-              <a:t>http</a:t>
-            </a:r>
             <a:r>
               <a:rPr lang="en-US" dirty="0">
                 <a:hlinkClick r:id="rId3"/>
               </a:rPr>
-              <a:t>://</a:t>
-            </a:r>
-            <a:r>
-              <a:rPr lang="en-US" dirty="0" smtClean="0">
-                <a:hlinkClick r:id="rId3"/>
-              </a:rPr>
-              <a:t>ps-dbs.maps.arcgis.com/home/webmap/viewer.html?webmap=3b116735a399402eb6ee9788255a2373</a:t>
-            </a:r>
-            <a:r>
-              <a:rPr lang="en-US" dirty="0" smtClean="0"/>
+              <a:t>http://ps-dbs.maps.arcgis.com/home/webmap/viewer.html?webmap=3b116735a399402eb6ee9788255a2373</a:t>
+            </a:r>
+            <a:r>
+              <a:rPr lang="en-US" dirty="0"/>
               <a:t> </a:t>
             </a:r>
           </a:p>
           <a:p>
             <a:r>
-              <a:rPr lang="en-US" dirty="0" smtClean="0"/>
-              <a:t>Fun maps! </a:t>
-            </a:r>
-            <a:r>
-              <a:rPr lang="en-US" dirty="0"/>
-              <a:t>– </a:t>
+              <a:rPr lang="en-US" dirty="0"/>
+              <a:t>Fun maps! – </a:t>
             </a:r>
             <a:r>
               <a:rPr lang="en-US" dirty="0">
                 <a:hlinkClick r:id="rId4"/>
               </a:rPr>
-              <a:t>https://</a:t>
-            </a:r>
-            <a:r>
-              <a:rPr lang="en-US" dirty="0" smtClean="0">
-                <a:hlinkClick r:id="rId4"/>
-              </a:rPr>
-              <a:t>twitter.com/gregbrunn/status/718271695212126213</a:t>
-            </a:r>
-            <a:r>
-              <a:rPr lang="en-US" dirty="0" smtClean="0"/>
+              <a:t>https://twitter.com/gregbrunn/status/718271695212126213</a:t>
+            </a:r>
+            <a:r>
+              <a:rPr lang="en-US" dirty="0"/>
               <a:t> </a:t>
             </a:r>
           </a:p>
@@ -4805,16 +4598,10 @@
               <a:rPr lang="en-US" dirty="0">
                 <a:hlinkClick r:id="rId5"/>
               </a:rPr>
-              <a:t>http://</a:t>
-            </a:r>
-            <a:r>
-              <a:rPr lang="en-US" dirty="0" smtClean="0">
-                <a:hlinkClick r:id="rId5"/>
-              </a:rPr>
-              <a:t>earthpy.org/analyzing-whale-tracks.html</a:t>
-            </a:r>
-            <a:r>
-              <a:rPr lang="en-US" dirty="0" smtClean="0"/>
+              <a:t>http://earthpy.org/analyzing-whale-tracks.html</a:t>
+            </a:r>
+            <a:r>
+              <a:rPr lang="en-US" dirty="0"/>
               <a:t> </a:t>
             </a:r>
           </a:p>
@@ -4827,19 +4614,12 @@
               <a:rPr lang="en-US" dirty="0">
                 <a:hlinkClick r:id="rId6"/>
               </a:rPr>
-              <a:t>https://gavinr.com/2016/12/22/create-pitch-charts-python</a:t>
-            </a:r>
-            <a:r>
-              <a:rPr lang="en-US" dirty="0" smtClean="0">
-                <a:hlinkClick r:id="rId6"/>
-              </a:rPr>
-              <a:t>/</a:t>
-            </a:r>
-            <a:r>
-              <a:rPr lang="en-US" dirty="0" smtClean="0"/>
+              <a:t>https://gavinr.com/2016/12/22/create-pitch-charts-python/</a:t>
+            </a:r>
+            <a:r>
+              <a:rPr lang="en-US" dirty="0"/>
               <a:t> </a:t>
             </a:r>
-            <a:endParaRPr lang="en-US" dirty="0"/>
           </a:p>
         </p:txBody>
       </p:sp>
@@ -4894,10 +4674,9 @@
           <a:lstStyle/>
           <a:p>
             <a:r>
-              <a:rPr lang="en-US" dirty="0" smtClean="0"/>
+              <a:rPr lang="en-US" dirty="0"/>
               <a:t>It’s so easy!</a:t>
             </a:r>
-            <a:endParaRPr lang="en-US" dirty="0"/>
           </a:p>
         </p:txBody>
       </p:sp>
@@ -4990,10 +4769,9 @@
           <a:lstStyle/>
           <a:p>
             <a:r>
-              <a:rPr lang="en-US" dirty="0" smtClean="0"/>
+              <a:rPr lang="en-US" dirty="0"/>
               <a:t>Let’s Get Started!</a:t>
             </a:r>
-            <a:endParaRPr lang="en-US" dirty="0"/>
           </a:p>
         </p:txBody>
       </p:sp>
@@ -5062,10 +4840,9 @@
           <a:lstStyle/>
           <a:p>
             <a:r>
-              <a:rPr lang="en-US" dirty="0" smtClean="0"/>
+              <a:rPr lang="en-US" dirty="0"/>
               <a:t>Course Overview</a:t>
             </a:r>
-            <a:endParaRPr lang="en-US" dirty="0"/>
           </a:p>
         </p:txBody>
       </p:sp>
@@ -5140,10 +4917,9 @@
           <a:lstStyle/>
           <a:p>
             <a:r>
-              <a:rPr lang="en-US" dirty="0" smtClean="0"/>
+              <a:rPr lang="en-US" dirty="0"/>
               <a:t>Course Objectives</a:t>
             </a:r>
-            <a:endParaRPr lang="en-US" dirty="0"/>
           </a:p>
         </p:txBody>
       </p:sp>
@@ -5179,24 +4955,20 @@
             <a:pPr lvl="0"/>
             <a:r>
               <a:rPr lang="en-US" dirty="0"/>
-              <a:t>Get graduate level students implementing it in their own research projects</a:t>
-            </a:r>
-            <a:r>
-              <a:rPr lang="en-US" dirty="0" smtClean="0"/>
-              <a:t>.</a:t>
-            </a:r>
-          </a:p>
-          <a:p>
-            <a:r>
-              <a:rPr lang="en-US" dirty="0" smtClean="0"/>
+              <a:t>Get graduate level students implementing it in their own research projects.</a:t>
+            </a:r>
+          </a:p>
+          <a:p>
+            <a:r>
+              <a:rPr lang="en-US" dirty="0"/>
               <a:t>This will be one of the most valuable </a:t>
             </a:r>
             <a:r>
-              <a:rPr lang="en-US" i="1" dirty="0" smtClean="0"/>
+              <a:rPr lang="en-US" i="1" dirty="0"/>
               <a:t>skills</a:t>
             </a:r>
             <a:r>
-              <a:rPr lang="en-US" dirty="0" smtClean="0"/>
+              <a:rPr lang="en-US" dirty="0"/>
               <a:t> you learn and develop</a:t>
             </a:r>
           </a:p>
@@ -5251,10 +5023,9 @@
           <a:lstStyle/>
           <a:p>
             <a:r>
-              <a:rPr lang="en-US" dirty="0" smtClean="0"/>
+              <a:rPr lang="en-US" dirty="0"/>
               <a:t>Syllabus</a:t>
             </a:r>
-            <a:endParaRPr lang="en-US" dirty="0"/>
           </a:p>
         </p:txBody>
       </p:sp>
@@ -5274,21 +5045,9 @@
           <a:lstStyle/>
           <a:p>
             <a:r>
-              <a:rPr lang="en-US" dirty="0">
-                <a:hlinkClick r:id="rId2"/>
-              </a:rPr>
-              <a:t>https://</a:t>
-            </a:r>
-            <a:r>
-              <a:rPr lang="en-US" dirty="0" smtClean="0">
-                <a:hlinkClick r:id="rId2"/>
-              </a:rPr>
-              <a:t>github.com/gbrunner/Python_for_GIS_and_RS/blob/master/GIS%205090%20Programming%20for%20GIS%26RS%20Syllabus%20Spring%202017.docx</a:t>
-            </a:r>
-            <a:endParaRPr lang="en-US" dirty="0" smtClean="0"/>
-          </a:p>
-          <a:p>
-            <a:endParaRPr lang="en-US" dirty="0"/>
+              <a:rPr lang="en-US" dirty="0"/>
+              <a:t>On Blackboard</a:t>
+            </a:r>
           </a:p>
         </p:txBody>
       </p:sp>
@@ -5338,10 +5097,9 @@
           <a:lstStyle/>
           <a:p>
             <a:r>
-              <a:rPr lang="en-US" dirty="0" smtClean="0"/>
+              <a:rPr lang="en-US" dirty="0"/>
               <a:t>Labs and Homework</a:t>
             </a:r>
-            <a:endParaRPr lang="en-US" dirty="0"/>
           </a:p>
         </p:txBody>
       </p:sp>
@@ -5361,32 +5119,22 @@
           <a:lstStyle/>
           <a:p>
             <a:r>
-              <a:rPr lang="en-US" dirty="0" smtClean="0"/>
-              <a:t>Will be on Blackboard before class</a:t>
-            </a:r>
-          </a:p>
-          <a:p>
-            <a:r>
-              <a:rPr lang="en-US" dirty="0" smtClean="0"/>
-              <a:t>If you are interested in looking farther into the future about what lectures, exercises, homework, and projects are coming, I am building </a:t>
-            </a:r>
-            <a:r>
-              <a:rPr lang="en-US" dirty="0"/>
-              <a:t>the course at </a:t>
+              <a:rPr lang="en-US" dirty="0"/>
+              <a:t>Will be on Blackboard immediately following class</a:t>
+            </a:r>
+          </a:p>
+          <a:p>
+            <a:r>
+              <a:rPr lang="en-US" dirty="0"/>
+              <a:t>If you are interested in looking farther into the future about what lectures, exercises, homework, and projects are coming, I am building the course at </a:t>
             </a:r>
             <a:r>
               <a:rPr lang="en-US" dirty="0">
                 <a:hlinkClick r:id="rId2"/>
               </a:rPr>
-              <a:t>https://</a:t>
-            </a:r>
-            <a:r>
-              <a:rPr lang="en-US" dirty="0" smtClean="0">
-                <a:hlinkClick r:id="rId2"/>
-              </a:rPr>
-              <a:t>github.com/gbrunner/Python_for_GIS_and_RS</a:t>
-            </a:r>
-            <a:endParaRPr lang="en-US" dirty="0" smtClean="0"/>
+              <a:t>https://github.com/gbrunner/Python_for_GIS_and_RS</a:t>
+            </a:r>
+            <a:endParaRPr lang="en-US" dirty="0"/>
           </a:p>
           <a:p>
             <a:endParaRPr lang="en-US" dirty="0"/>
@@ -5439,74 +5187,48 @@
           <a:lstStyle/>
           <a:p>
             <a:r>
-              <a:rPr lang="en-US" dirty="0" smtClean="0"/>
+              <a:rPr lang="en-US" dirty="0"/>
               <a:t>Labs</a:t>
             </a:r>
+          </a:p>
+        </p:txBody>
+      </p:sp>
+      <p:sp>
+        <p:nvSpPr>
+          <p:cNvPr id="3" name="Content Placeholder 2"/>
+          <p:cNvSpPr>
+            <a:spLocks noGrp="1"/>
+          </p:cNvSpPr>
+          <p:nvPr>
+            <p:ph idx="1"/>
+          </p:nvPr>
+        </p:nvSpPr>
+        <p:spPr/>
+        <p:txBody>
+          <a:bodyPr/>
+          <a:lstStyle/>
+          <a:p>
+            <a:r>
+              <a:rPr lang="en-US" dirty="0"/>
+              <a:t>Exercises to guide you in learning Python</a:t>
+            </a:r>
+          </a:p>
+          <a:p>
             <a:endParaRPr lang="en-US" dirty="0"/>
           </a:p>
-        </p:txBody>
-      </p:sp>
-      <p:sp>
-        <p:nvSpPr>
-          <p:cNvPr id="3" name="Content Placeholder 2"/>
-          <p:cNvSpPr>
-            <a:spLocks noGrp="1"/>
-          </p:cNvSpPr>
-          <p:nvPr>
-            <p:ph idx="1"/>
-          </p:nvPr>
-        </p:nvSpPr>
-        <p:spPr/>
-        <p:txBody>
-          <a:bodyPr/>
-          <a:lstStyle/>
-          <a:p>
-            <a:r>
-              <a:rPr lang="en-US" dirty="0" smtClean="0"/>
-              <a:t>Exercises to guide you in learning Python</a:t>
-            </a:r>
-          </a:p>
-          <a:p>
-            <a:endParaRPr lang="en-US" dirty="0" smtClean="0"/>
-          </a:p>
-          <a:p>
-            <a:r>
-              <a:rPr lang="en-US" dirty="0" smtClean="0"/>
-              <a:t>Please </a:t>
-            </a:r>
-            <a:r>
-              <a:rPr lang="en-US" dirty="0" smtClean="0"/>
-              <a:t>submit last week’s exercises with your homework </a:t>
-            </a:r>
-            <a:r>
-              <a:rPr lang="en-US" dirty="0" smtClean="0"/>
-              <a:t>at or before </a:t>
-            </a:r>
-            <a:r>
-              <a:rPr lang="en-US" dirty="0" smtClean="0"/>
-              <a:t>the beginning of each </a:t>
-            </a:r>
-            <a:r>
-              <a:rPr lang="en-US" dirty="0" smtClean="0"/>
-              <a:t>class through Blackboard.</a:t>
-            </a:r>
-            <a:endParaRPr lang="en-US" dirty="0" smtClean="0"/>
-          </a:p>
-          <a:p>
-            <a:endParaRPr lang="en-US" dirty="0" smtClean="0"/>
-          </a:p>
-          <a:p>
-            <a:r>
-              <a:rPr lang="en-US" dirty="0" smtClean="0"/>
-              <a:t>Your </a:t>
-            </a:r>
-            <a:r>
-              <a:rPr lang="en-US" dirty="0" smtClean="0"/>
-              <a:t>feedback is </a:t>
-            </a:r>
-            <a:r>
-              <a:rPr lang="en-US" dirty="0" smtClean="0"/>
-              <a:t>appreciated</a:t>
+          <a:p>
+            <a:r>
+              <a:rPr lang="en-US" dirty="0"/>
+              <a:t>Please submit last week’s exercises with your homework at or before the beginning of each class through Blackboard.</a:t>
+            </a:r>
+          </a:p>
+          <a:p>
+            <a:endParaRPr lang="en-US" dirty="0"/>
+          </a:p>
+          <a:p>
+            <a:r>
+              <a:rPr lang="en-US" dirty="0"/>
+              <a:t>Your feedback is appreciated</a:t>
             </a:r>
           </a:p>
           <a:p>
@@ -5563,42 +5285,40 @@
           <a:lstStyle/>
           <a:p>
             <a:r>
-              <a:rPr lang="en-US" dirty="0" smtClean="0"/>
+              <a:rPr lang="en-US" dirty="0"/>
               <a:t>Lectures</a:t>
             </a:r>
+          </a:p>
+        </p:txBody>
+      </p:sp>
+      <p:sp>
+        <p:nvSpPr>
+          <p:cNvPr id="3" name="Content Placeholder 2"/>
+          <p:cNvSpPr>
+            <a:spLocks noGrp="1"/>
+          </p:cNvSpPr>
+          <p:nvPr>
+            <p:ph idx="1"/>
+          </p:nvPr>
+        </p:nvSpPr>
+        <p:spPr/>
+        <p:txBody>
+          <a:bodyPr/>
+          <a:lstStyle/>
+          <a:p>
+            <a:r>
+              <a:rPr lang="en-US" dirty="0"/>
+              <a:t>Trying to make them interactive</a:t>
+            </a:r>
+          </a:p>
+          <a:p>
             <a:endParaRPr lang="en-US" dirty="0"/>
           </a:p>
-        </p:txBody>
-      </p:sp>
-      <p:sp>
-        <p:nvSpPr>
-          <p:cNvPr id="3" name="Content Placeholder 2"/>
-          <p:cNvSpPr>
-            <a:spLocks noGrp="1"/>
-          </p:cNvSpPr>
-          <p:nvPr>
-            <p:ph idx="1"/>
-          </p:nvPr>
-        </p:nvSpPr>
-        <p:spPr/>
-        <p:txBody>
-          <a:bodyPr/>
-          <a:lstStyle/>
-          <a:p>
-            <a:r>
-              <a:rPr lang="en-US" dirty="0" smtClean="0"/>
-              <a:t>Trying to make them interactive</a:t>
-            </a:r>
-          </a:p>
-          <a:p>
-            <a:endParaRPr lang="en-US" dirty="0"/>
-          </a:p>
-          <a:p>
-            <a:r>
-              <a:rPr lang="en-US" dirty="0" smtClean="0"/>
+          <a:p>
+            <a:r>
+              <a:rPr lang="en-US" dirty="0"/>
               <a:t>If I am writing code, you should be too!</a:t>
             </a:r>
-            <a:endParaRPr lang="en-US" dirty="0"/>
           </a:p>
         </p:txBody>
       </p:sp>
@@ -5648,71 +5368,49 @@
           <a:lstStyle/>
           <a:p>
             <a:r>
-              <a:rPr lang="en-US" dirty="0" smtClean="0"/>
+              <a:rPr lang="en-US" dirty="0"/>
               <a:t>Homework</a:t>
             </a:r>
+          </a:p>
+        </p:txBody>
+      </p:sp>
+      <p:sp>
+        <p:nvSpPr>
+          <p:cNvPr id="3" name="Content Placeholder 2"/>
+          <p:cNvSpPr>
+            <a:spLocks noGrp="1"/>
+          </p:cNvSpPr>
+          <p:nvPr>
+            <p:ph idx="1"/>
+          </p:nvPr>
+        </p:nvSpPr>
+        <p:spPr/>
+        <p:txBody>
+          <a:bodyPr/>
+          <a:lstStyle/>
+          <a:p>
+            <a:r>
+              <a:rPr lang="en-US" dirty="0"/>
+              <a:t>The objective with homework is to keep you thinking and learning about Python even outside of days in lab.</a:t>
+            </a:r>
+          </a:p>
+          <a:p>
             <a:endParaRPr lang="en-US" dirty="0"/>
           </a:p>
-        </p:txBody>
-      </p:sp>
-      <p:sp>
-        <p:nvSpPr>
-          <p:cNvPr id="3" name="Content Placeholder 2"/>
-          <p:cNvSpPr>
-            <a:spLocks noGrp="1"/>
-          </p:cNvSpPr>
-          <p:nvPr>
-            <p:ph idx="1"/>
-          </p:nvPr>
-        </p:nvSpPr>
-        <p:spPr/>
-        <p:txBody>
-          <a:bodyPr/>
-          <a:lstStyle/>
-          <a:p>
-            <a:r>
-              <a:rPr lang="en-US" dirty="0" smtClean="0"/>
-              <a:t>The objective with homework is to keep you thinking and learning about Python even outside of days in lab.</a:t>
-            </a:r>
-          </a:p>
-          <a:p>
-            <a:endParaRPr lang="en-US" dirty="0" smtClean="0"/>
-          </a:p>
-          <a:p>
-            <a:r>
-              <a:rPr lang="en-US" dirty="0" smtClean="0"/>
-              <a:t>Homework </a:t>
-            </a:r>
-            <a:r>
-              <a:rPr lang="en-US" dirty="0" smtClean="0"/>
-              <a:t>is due at </a:t>
-            </a:r>
-            <a:r>
-              <a:rPr lang="en-US" dirty="0" smtClean="0"/>
-              <a:t>or before the </a:t>
-            </a:r>
-            <a:r>
-              <a:rPr lang="en-US" dirty="0" smtClean="0"/>
-              <a:t>beginning of each </a:t>
-            </a:r>
-            <a:r>
-              <a:rPr lang="en-US" dirty="0" smtClean="0"/>
-              <a:t>class</a:t>
-            </a:r>
-            <a:r>
-              <a:rPr lang="en-US" dirty="0" smtClean="0"/>
-              <a:t>.</a:t>
-            </a:r>
-          </a:p>
-          <a:p>
-            <a:endParaRPr lang="en-US" dirty="0" smtClean="0"/>
-          </a:p>
-          <a:p>
-            <a:r>
-              <a:rPr lang="en-US" dirty="0" smtClean="0"/>
+          <a:p>
+            <a:r>
+              <a:rPr lang="en-US" dirty="0"/>
+              <a:t>Homework is due at or before the beginning of each class.</a:t>
+            </a:r>
+          </a:p>
+          <a:p>
+            <a:endParaRPr lang="en-US" dirty="0"/>
+          </a:p>
+          <a:p>
+            <a:r>
+              <a:rPr lang="en-US" dirty="0"/>
               <a:t>Please submit through Blackboard</a:t>
             </a:r>
-            <a:endParaRPr lang="en-US" dirty="0"/>
           </a:p>
         </p:txBody>
       </p:sp>
